--- a/Slides/3.PythonAndJupyterNotebooks.pptx
+++ b/Slides/3.PythonAndJupyterNotebooks.pptx
@@ -218,16 +218,39 @@
 </p:presentation>
 </file>
 
-<file path=ppt/revisionInfo.xml><?xml version="1.0" encoding="utf-8"?>
-<p1510:revInfo xmlns:a="http://schemas.openxmlformats.org/drawingml/2006/main" xmlns:r="http://schemas.openxmlformats.org/officeDocument/2006/relationships" xmlns:p1510="http://schemas.microsoft.com/office/powerpoint/2015/10/main">
-  <p1510:revLst>
-    <p1510:client id="{09178F10-F315-D74E-BB83-F3F46287F127}" v="317" dt="2025-07-23T18:32:00.564"/>
-  </p1510:revLst>
-</p1510:revInfo>
-</file>
-
 <file path=ppt/changesInfos/changesInfo1.xml><?xml version="1.0" encoding="utf-8"?>
 <pc:chgInfo xmlns:a="http://schemas.openxmlformats.org/drawingml/2006/main" xmlns:r="http://schemas.openxmlformats.org/officeDocument/2006/relationships" xmlns:ac="http://schemas.microsoft.com/office/drawing/2013/main/command" xmlns:pc="http://schemas.microsoft.com/office/powerpoint/2013/main/command">
+  <pc:docChgLst>
+    <pc:chgData name="Stephen Emrich" userId="e6abd74e-3da0-4635-b6e2-0dc330156f74" providerId="ADAL" clId="{E6D15754-9A9E-5308-9947-0AAFEAAF9F3D}"/>
+    <pc:docChg chg="modSld">
+      <pc:chgData name="Stephen Emrich" userId="e6abd74e-3da0-4635-b6e2-0dc330156f74" providerId="ADAL" clId="{E6D15754-9A9E-5308-9947-0AAFEAAF9F3D}" dt="2025-09-17T18:12:44.478" v="4" actId="729"/>
+      <pc:docMkLst>
+        <pc:docMk/>
+      </pc:docMkLst>
+      <pc:sldChg chg="modSp mod">
+        <pc:chgData name="Stephen Emrich" userId="e6abd74e-3da0-4635-b6e2-0dc330156f74" providerId="ADAL" clId="{E6D15754-9A9E-5308-9947-0AAFEAAF9F3D}" dt="2025-09-17T17:40:59.138" v="2" actId="20577"/>
+        <pc:sldMkLst>
+          <pc:docMk/>
+          <pc:sldMk cId="388597078" sldId="256"/>
+        </pc:sldMkLst>
+        <pc:spChg chg="mod">
+          <ac:chgData name="Stephen Emrich" userId="e6abd74e-3da0-4635-b6e2-0dc330156f74" providerId="ADAL" clId="{E6D15754-9A9E-5308-9947-0AAFEAAF9F3D}" dt="2025-09-17T17:40:59.138" v="2" actId="20577"/>
+          <ac:spMkLst>
+            <pc:docMk/>
+            <pc:sldMk cId="388597078" sldId="256"/>
+            <ac:spMk id="3" creationId="{CD7B8876-7899-6329-5CF3-953A8E621BE7}"/>
+          </ac:spMkLst>
+        </pc:spChg>
+      </pc:sldChg>
+      <pc:sldChg chg="mod modShow">
+        <pc:chgData name="Stephen Emrich" userId="e6abd74e-3da0-4635-b6e2-0dc330156f74" providerId="ADAL" clId="{E6D15754-9A9E-5308-9947-0AAFEAAF9F3D}" dt="2025-09-17T18:12:44.478" v="4" actId="729"/>
+        <pc:sldMkLst>
+          <pc:docMk/>
+          <pc:sldMk cId="4065010507" sldId="274"/>
+        </pc:sldMkLst>
+      </pc:sldChg>
+    </pc:docChg>
+  </pc:docChgLst>
   <pc:docChgLst>
     <pc:chgData name="Stephen Emrich" userId="e6abd74e-3da0-4635-b6e2-0dc330156f74" providerId="ADAL" clId="{09178F10-F315-D74E-BB83-F3F46287F127}"/>
     <pc:docChg chg="modSld">
@@ -241,14 +264,6 @@
           <pc:docMk/>
           <pc:sldMk cId="388597078" sldId="256"/>
         </pc:sldMkLst>
-        <pc:spChg chg="mod">
-          <ac:chgData name="Stephen Emrich" userId="e6abd74e-3da0-4635-b6e2-0dc330156f74" providerId="ADAL" clId="{09178F10-F315-D74E-BB83-F3F46287F127}" dt="2025-08-12T15:59:23.341" v="20" actId="20577"/>
-          <ac:spMkLst>
-            <pc:docMk/>
-            <pc:sldMk cId="388597078" sldId="256"/>
-            <ac:spMk id="3" creationId="{CD7B8876-7899-6329-5CF3-953A8E621BE7}"/>
-          </ac:spMkLst>
-        </pc:spChg>
       </pc:sldChg>
       <pc:sldChg chg="modSp mod">
         <pc:chgData name="Stephen Emrich" userId="e6abd74e-3da0-4635-b6e2-0dc330156f74" providerId="ADAL" clId="{09178F10-F315-D74E-BB83-F3F46287F127}" dt="2025-08-08T16:44:14.098" v="8" actId="20577"/>
@@ -256,14 +271,6 @@
           <pc:docMk/>
           <pc:sldMk cId="2688060649" sldId="282"/>
         </pc:sldMkLst>
-        <pc:spChg chg="mod">
-          <ac:chgData name="Stephen Emrich" userId="e6abd74e-3da0-4635-b6e2-0dc330156f74" providerId="ADAL" clId="{09178F10-F315-D74E-BB83-F3F46287F127}" dt="2025-08-08T16:44:14.098" v="8" actId="20577"/>
-          <ac:spMkLst>
-            <pc:docMk/>
-            <pc:sldMk cId="2688060649" sldId="282"/>
-            <ac:spMk id="2" creationId="{4EE14C45-7C23-B7A4-3568-3E2DC483EE23}"/>
-          </ac:spMkLst>
-        </pc:spChg>
       </pc:sldChg>
     </pc:docChg>
   </pc:docChgLst>
@@ -352,7 +359,7 @@
           <a:p>
             <a:fld id="{844AC79E-FCDE-8A4B-A0DD-ACD6C739DC9B}" type="datetimeFigureOut">
               <a:rPr lang="en-US" smtClean="0"/>
-              <a:t>8/12/25</a:t>
+              <a:t>9/17/25</a:t>
             </a:fld>
             <a:endParaRPr lang="en-US"/>
           </a:p>
@@ -850,7 +857,7 @@
           <a:p>
             <a:fld id="{A45024E3-A74A-3B46-B486-BB311F349808}" type="datetimeFigureOut">
               <a:rPr lang="en-US" smtClean="0"/>
-              <a:t>8/12/25</a:t>
+              <a:t>9/17/25</a:t>
             </a:fld>
             <a:endParaRPr lang="en-US"/>
           </a:p>
@@ -1048,7 +1055,7 @@
           <a:p>
             <a:fld id="{A45024E3-A74A-3B46-B486-BB311F349808}" type="datetimeFigureOut">
               <a:rPr lang="en-US" smtClean="0"/>
-              <a:t>8/12/25</a:t>
+              <a:t>9/17/25</a:t>
             </a:fld>
             <a:endParaRPr lang="en-US"/>
           </a:p>
@@ -1256,7 +1263,7 @@
           <a:p>
             <a:fld id="{A45024E3-A74A-3B46-B486-BB311F349808}" type="datetimeFigureOut">
               <a:rPr lang="en-US" smtClean="0"/>
-              <a:t>8/12/25</a:t>
+              <a:t>9/17/25</a:t>
             </a:fld>
             <a:endParaRPr lang="en-US"/>
           </a:p>
@@ -1454,7 +1461,7 @@
           <a:p>
             <a:fld id="{A45024E3-A74A-3B46-B486-BB311F349808}" type="datetimeFigureOut">
               <a:rPr lang="en-US" smtClean="0"/>
-              <a:t>8/12/25</a:t>
+              <a:t>9/17/25</a:t>
             </a:fld>
             <a:endParaRPr lang="en-US"/>
           </a:p>
@@ -1729,7 +1736,7 @@
           <a:p>
             <a:fld id="{A45024E3-A74A-3B46-B486-BB311F349808}" type="datetimeFigureOut">
               <a:rPr lang="en-US" smtClean="0"/>
-              <a:t>8/12/25</a:t>
+              <a:t>9/17/25</a:t>
             </a:fld>
             <a:endParaRPr lang="en-US"/>
           </a:p>
@@ -1994,7 +2001,7 @@
           <a:p>
             <a:fld id="{A45024E3-A74A-3B46-B486-BB311F349808}" type="datetimeFigureOut">
               <a:rPr lang="en-US" smtClean="0"/>
-              <a:t>8/12/25</a:t>
+              <a:t>9/17/25</a:t>
             </a:fld>
             <a:endParaRPr lang="en-US"/>
           </a:p>
@@ -2406,7 +2413,7 @@
           <a:p>
             <a:fld id="{A45024E3-A74A-3B46-B486-BB311F349808}" type="datetimeFigureOut">
               <a:rPr lang="en-US" smtClean="0"/>
-              <a:t>8/12/25</a:t>
+              <a:t>9/17/25</a:t>
             </a:fld>
             <a:endParaRPr lang="en-US"/>
           </a:p>
@@ -2547,7 +2554,7 @@
           <a:p>
             <a:fld id="{A45024E3-A74A-3B46-B486-BB311F349808}" type="datetimeFigureOut">
               <a:rPr lang="en-US" smtClean="0"/>
-              <a:t>8/12/25</a:t>
+              <a:t>9/17/25</a:t>
             </a:fld>
             <a:endParaRPr lang="en-US"/>
           </a:p>
@@ -2660,7 +2667,7 @@
           <a:p>
             <a:fld id="{A45024E3-A74A-3B46-B486-BB311F349808}" type="datetimeFigureOut">
               <a:rPr lang="en-US" smtClean="0"/>
-              <a:t>8/12/25</a:t>
+              <a:t>9/17/25</a:t>
             </a:fld>
             <a:endParaRPr lang="en-US"/>
           </a:p>
@@ -2971,7 +2978,7 @@
           <a:p>
             <a:fld id="{A45024E3-A74A-3B46-B486-BB311F349808}" type="datetimeFigureOut">
               <a:rPr lang="en-US" smtClean="0"/>
-              <a:t>8/12/25</a:t>
+              <a:t>9/17/25</a:t>
             </a:fld>
             <a:endParaRPr lang="en-US"/>
           </a:p>
@@ -3259,7 +3266,7 @@
           <a:p>
             <a:fld id="{A45024E3-A74A-3B46-B486-BB311F349808}" type="datetimeFigureOut">
               <a:rPr lang="en-US" smtClean="0"/>
-              <a:t>8/12/25</a:t>
+              <a:t>9/17/25</a:t>
             </a:fld>
             <a:endParaRPr lang="en-US"/>
           </a:p>
@@ -3500,7 +3507,7 @@
           <a:p>
             <a:fld id="{A45024E3-A74A-3B46-B486-BB311F349808}" type="datetimeFigureOut">
               <a:rPr lang="en-US" smtClean="0"/>
-              <a:t>8/12/25</a:t>
+              <a:t>9/17/25</a:t>
             </a:fld>
             <a:endParaRPr lang="en-US"/>
           </a:p>
@@ -3983,12 +3990,8 @@
           </a:p>
           <a:p>
             <a:r>
-              <a:rPr lang="en-US" dirty="0" err="1"/>
-              <a:t>ComputerProgramming</a:t>
-            </a:r>
-            <a:r>
-              <a:rPr lang="en-US" dirty="0"/>
-              <a:t> for Experimental Psychology</a:t>
+              <a:rPr lang="en-US" dirty="0"/>
+              <a:t>Computer Programming for Experimental Psychology</a:t>
             </a:r>
           </a:p>
           <a:p>
